--- a/materials/MICBON_AI_report_template_gu.pptx
+++ b/materials/MICBON_AI_report_template_gu.pptx
@@ -203,7 +203,7 @@
           <a:p>
             <a:fld id="{D37223F4-285F-48E4-B180-6F8ABAA9B4D6}" type="datetimeFigureOut">
               <a:rPr kumimoji="1" lang="ja-JP" altLang="en-US" smtClean="0"/>
-              <a:t>2025/12/16</a:t>
+              <a:t>2025/12/17</a:t>
             </a:fld>
             <a:endParaRPr kumimoji="1" lang="ja-JP" altLang="en-US"/>
           </a:p>
@@ -1661,7 +1661,7 @@
           <a:p>
             <a:fld id="{030A795C-D186-49F8-922E-213650C331BD}" type="datetime1">
               <a:rPr kumimoji="1" lang="ja-JP" altLang="en-US" smtClean="0"/>
-              <a:t>2025/12/16</a:t>
+              <a:t>2025/12/17</a:t>
             </a:fld>
             <a:endParaRPr kumimoji="1" lang="ja-JP" altLang="en-US"/>
           </a:p>
@@ -1863,7 +1863,7 @@
           <a:p>
             <a:fld id="{C212287D-55E0-4FF4-8F2A-1F80FEF07307}" type="datetime1">
               <a:rPr kumimoji="1" lang="ja-JP" altLang="en-US" smtClean="0"/>
-              <a:t>2025/12/16</a:t>
+              <a:t>2025/12/17</a:t>
             </a:fld>
             <a:endParaRPr kumimoji="1" lang="ja-JP" altLang="en-US"/>
           </a:p>
@@ -2075,7 +2075,7 @@
           <a:p>
             <a:fld id="{52D2BA95-82B4-42A7-9B67-E08D70EC37B9}" type="datetime1">
               <a:rPr kumimoji="1" lang="ja-JP" altLang="en-US" smtClean="0"/>
-              <a:t>2025/12/16</a:t>
+              <a:t>2025/12/17</a:t>
             </a:fld>
             <a:endParaRPr kumimoji="1" lang="ja-JP" altLang="en-US"/>
           </a:p>
@@ -2277,7 +2277,7 @@
           <a:p>
             <a:fld id="{16EB9AB5-D71E-43BD-BA98-95F977FA3B14}" type="datetime1">
               <a:rPr kumimoji="1" lang="ja-JP" altLang="en-US" smtClean="0"/>
-              <a:t>2025/12/16</a:t>
+              <a:t>2025/12/17</a:t>
             </a:fld>
             <a:endParaRPr kumimoji="1" lang="ja-JP" altLang="en-US"/>
           </a:p>
@@ -2521,7 +2521,7 @@
           <a:p>
             <a:fld id="{CD4B354A-0F1D-4772-A25A-2558BBD7A195}" type="datetime1">
               <a:rPr kumimoji="1" lang="ja-JP" altLang="en-US" smtClean="0"/>
-              <a:t>2025/12/16</a:t>
+              <a:t>2025/12/17</a:t>
             </a:fld>
             <a:endParaRPr kumimoji="1" lang="ja-JP" altLang="en-US"/>
           </a:p>
@@ -2817,7 +2817,7 @@
           <a:p>
             <a:fld id="{F4E27273-7879-4DE1-8BC1-2E415FDB7924}" type="datetime1">
               <a:rPr kumimoji="1" lang="ja-JP" altLang="en-US" smtClean="0"/>
-              <a:t>2025/12/16</a:t>
+              <a:t>2025/12/17</a:t>
             </a:fld>
             <a:endParaRPr kumimoji="1" lang="ja-JP" altLang="en-US"/>
           </a:p>
@@ -3248,7 +3248,7 @@
           <a:p>
             <a:fld id="{1B50778B-C442-4A4E-8AB2-8D383DDDEF70}" type="datetime1">
               <a:rPr kumimoji="1" lang="ja-JP" altLang="en-US" smtClean="0"/>
-              <a:t>2025/12/16</a:t>
+              <a:t>2025/12/17</a:t>
             </a:fld>
             <a:endParaRPr kumimoji="1" lang="ja-JP" altLang="en-US"/>
           </a:p>
@@ -3366,7 +3366,7 @@
           <a:p>
             <a:fld id="{CFDB9525-9DA6-4E33-AD5D-1D7E5209AFE6}" type="datetime1">
               <a:rPr kumimoji="1" lang="ja-JP" altLang="en-US" smtClean="0"/>
-              <a:t>2025/12/16</a:t>
+              <a:t>2025/12/17</a:t>
             </a:fld>
             <a:endParaRPr kumimoji="1" lang="ja-JP" altLang="en-US"/>
           </a:p>
@@ -3461,7 +3461,7 @@
           <a:p>
             <a:fld id="{22C0FF00-CC9E-486D-902A-471A4DB57A7C}" type="datetime1">
               <a:rPr kumimoji="1" lang="ja-JP" altLang="en-US" smtClean="0"/>
-              <a:t>2025/12/16</a:t>
+              <a:t>2025/12/17</a:t>
             </a:fld>
             <a:endParaRPr kumimoji="1" lang="ja-JP" altLang="en-US"/>
           </a:p>
@@ -3770,7 +3770,7 @@
           <a:p>
             <a:fld id="{A461820C-21E9-4339-B5F3-2597C3FD13FD}" type="datetime1">
               <a:rPr kumimoji="1" lang="ja-JP" altLang="en-US" smtClean="0"/>
-              <a:t>2025/12/16</a:t>
+              <a:t>2025/12/17</a:t>
             </a:fld>
             <a:endParaRPr kumimoji="1" lang="ja-JP" altLang="en-US"/>
           </a:p>
@@ -4027,7 +4027,7 @@
           <a:p>
             <a:fld id="{24DCBEFE-AD8F-4658-846A-0BDBA76D6A89}" type="datetime1">
               <a:rPr kumimoji="1" lang="ja-JP" altLang="en-US" smtClean="0"/>
-              <a:t>2025/12/16</a:t>
+              <a:t>2025/12/17</a:t>
             </a:fld>
             <a:endParaRPr kumimoji="1" lang="ja-JP" altLang="en-US"/>
           </a:p>
@@ -4272,7 +4272,7 @@
           <a:p>
             <a:fld id="{DEC8E0CC-7FA6-473E-874E-5BE9EA49E8F5}" type="datetime1">
               <a:rPr kumimoji="1" lang="ja-JP" altLang="en-US" smtClean="0"/>
-              <a:t>2025/12/16</a:t>
+              <a:t>2025/12/17</a:t>
             </a:fld>
             <a:endParaRPr kumimoji="1" lang="ja-JP" altLang="en-US"/>
           </a:p>
@@ -12201,14 +12201,14 @@
           <p:nvPr>
             <p:extLst>
               <p:ext uri="{D42A27DB-BD31-4B8C-83A1-F6EECF244321}">
-                <p14:modId xmlns:p14="http://schemas.microsoft.com/office/powerpoint/2010/main" val="1042603922"/>
+                <p14:modId xmlns:p14="http://schemas.microsoft.com/office/powerpoint/2010/main" val="1493159660"/>
               </p:ext>
             </p:extLst>
           </p:nvPr>
         </p:nvGraphicFramePr>
         <p:xfrm>
           <a:off x="8705939" y="4814246"/>
-          <a:ext cx="1232734" cy="685800"/>
+          <a:ext cx="1232734" cy="744116"/>
         </p:xfrm>
         <a:graphic>
           <a:graphicData uri="http://schemas.openxmlformats.org/drawingml/2006/table">
@@ -12232,7 +12232,7 @@
                   </a:extLst>
                 </a:gridCol>
               </a:tblGrid>
-              <a:tr h="624840">
+              <a:tr h="744116">
                 <a:tc>
                   <a:txBody>
                     <a:bodyPr/>
@@ -12796,7 +12796,7 @@
           <p:nvPr>
             <p:extLst>
               <p:ext uri="{D42A27DB-BD31-4B8C-83A1-F6EECF244321}">
-                <p14:modId xmlns:p14="http://schemas.microsoft.com/office/powerpoint/2010/main" val="858239975"/>
+                <p14:modId xmlns:p14="http://schemas.microsoft.com/office/powerpoint/2010/main" val="1067028804"/>
               </p:ext>
             </p:extLst>
           </p:nvPr>
@@ -13090,11 +13090,17 @@
           <p:cNvGraphicFramePr>
             <a:graphicFrameLocks noGrp="1"/>
           </p:cNvGraphicFramePr>
-          <p:nvPr/>
+          <p:nvPr>
+            <p:extLst>
+              <p:ext uri="{D42A27DB-BD31-4B8C-83A1-F6EECF244321}">
+                <p14:modId xmlns:p14="http://schemas.microsoft.com/office/powerpoint/2010/main" val="4068967531"/>
+              </p:ext>
+            </p:extLst>
+          </p:nvPr>
         </p:nvGraphicFramePr>
         <p:xfrm>
           <a:off x="4433877" y="7590509"/>
-          <a:ext cx="1110797" cy="701040"/>
+          <a:ext cx="1110797" cy="762000"/>
         </p:xfrm>
         <a:graphic>
           <a:graphicData uri="http://schemas.openxmlformats.org/drawingml/2006/table">
@@ -13124,37 +13130,87 @@
                     <a:bodyPr/>
                     <a:lstStyle/>
                     <a:p>
+                      <a:pPr marL="0" marR="0" lvl="0" indent="0" algn="l" defTabSz="457200" rtl="0" eaLnBrk="1" fontAlgn="auto" latinLnBrk="0" hangingPunct="1">
+                        <a:lnSpc>
+                          <a:spcPct val="100000"/>
+                        </a:lnSpc>
+                        <a:spcBef>
+                          <a:spcPts val="0"/>
+                        </a:spcBef>
+                        <a:spcAft>
+                          <a:spcPts val="0"/>
+                        </a:spcAft>
+                        <a:buClrTx/>
+                        <a:buSzTx/>
+                        <a:buFontTx/>
+                        <a:buNone/>
+                        <a:tabLst/>
+                        <a:defRPr/>
+                      </a:pPr>
                       <a:r>
-                        <a:rPr lang="ja-JP" altLang="en-US" sz="900" dirty="0">
+                        <a:rPr kumimoji="1" lang="ja-JP" altLang="en-US" sz="1100" b="1" i="0" u="none" strike="noStrike" kern="1200" cap="none" spc="0" normalizeH="0" baseline="0" dirty="0">
+                          <a:ln>
+                            <a:noFill/>
+                          </a:ln>
+                          <a:solidFill>
+                            <a:prstClr val="black"/>
+                          </a:solidFill>
+                          <a:effectLst/>
+                          <a:uLnTx/>
+                          <a:uFillTx/>
                           <a:latin typeface="メイリオ" panose="020B0604030504040204" pitchFamily="50" charset="-128"/>
                           <a:ea typeface="メイリオ" panose="020B0604030504040204" pitchFamily="50" charset="-128"/>
+                          <a:cs typeface="+mn-cs"/>
                         </a:rPr>
-                        <a:t>お</a:t>
+                        <a:t>お尻の</a:t>
                       </a:r>
-                      <a:r>
-                        <a:rPr lang="ja-JP" altLang="en-US" sz="1100" dirty="0">
-                          <a:latin typeface="メイリオ" panose="020B0604030504040204" pitchFamily="50" charset="-128"/>
-                          <a:ea typeface="メイリオ" panose="020B0604030504040204" pitchFamily="50" charset="-128"/>
-                        </a:rPr>
-                        <a:t>尻</a:t>
-                      </a:r>
-                      <a:r>
-                        <a:rPr lang="ja-JP" altLang="en-US" sz="900" dirty="0">
-                          <a:latin typeface="メイリオ" panose="020B0604030504040204" pitchFamily="50" charset="-128"/>
-                          <a:ea typeface="メイリオ" panose="020B0604030504040204" pitchFamily="50" charset="-128"/>
-                        </a:rPr>
-                        <a:t>の</a:t>
-                      </a:r>
-                      <a:endParaRPr lang="en-US" altLang="ja-JP" sz="900" dirty="0">
+                      <a:endParaRPr kumimoji="1" lang="en-US" altLang="ja-JP" sz="1100" b="1" i="0" u="none" strike="noStrike" kern="1200" cap="none" spc="0" normalizeH="0" baseline="0" dirty="0">
+                        <a:ln>
+                          <a:noFill/>
+                        </a:ln>
+                        <a:solidFill>
+                          <a:prstClr val="black"/>
+                        </a:solidFill>
+                        <a:effectLst/>
+                        <a:uLnTx/>
+                        <a:uFillTx/>
                         <a:latin typeface="メイリオ" panose="020B0604030504040204" pitchFamily="50" charset="-128"/>
                         <a:ea typeface="メイリオ" panose="020B0604030504040204" pitchFamily="50" charset="-128"/>
+                        <a:cs typeface="+mn-cs"/>
                       </a:endParaRPr>
                     </a:p>
                     <a:p>
+                      <a:pPr marL="0" marR="0" lvl="0" indent="0" algn="l" defTabSz="457200" rtl="0" eaLnBrk="1" fontAlgn="auto" latinLnBrk="0" hangingPunct="1">
+                        <a:lnSpc>
+                          <a:spcPct val="100000"/>
+                        </a:lnSpc>
+                        <a:spcBef>
+                          <a:spcPts val="0"/>
+                        </a:spcBef>
+                        <a:spcAft>
+                          <a:spcPts val="0"/>
+                        </a:spcAft>
+                        <a:buClrTx/>
+                        <a:buSzTx/>
+                        <a:buFontTx/>
+                        <a:buNone/>
+                        <a:tabLst/>
+                        <a:defRPr/>
+                      </a:pPr>
                       <a:r>
-                        <a:rPr lang="ja-JP" altLang="en-US" sz="1100" dirty="0">
+                        <a:rPr kumimoji="1" lang="ja-JP" altLang="en-US" sz="1100" b="1" i="0" u="none" strike="noStrike" kern="1200" cap="none" spc="0" normalizeH="0" baseline="0" dirty="0">
+                          <a:ln>
+                            <a:noFill/>
+                          </a:ln>
+                          <a:solidFill>
+                            <a:prstClr val="black"/>
+                          </a:solidFill>
+                          <a:effectLst/>
+                          <a:uLnTx/>
+                          <a:uFillTx/>
                           <a:latin typeface="メイリオ" panose="020B0604030504040204" pitchFamily="50" charset="-128"/>
                           <a:ea typeface="メイリオ" panose="020B0604030504040204" pitchFamily="50" charset="-128"/>
+                          <a:cs typeface="+mn-cs"/>
                         </a:rPr>
                         <a:t>奥</a:t>
                       </a:r>
@@ -18540,202 +18596,6 @@
           </a:p>
         </p:txBody>
       </p:sp>
-      <p:graphicFrame>
-        <p:nvGraphicFramePr>
-          <p:cNvPr id="122" name="表 121">
-            <a:extLst>
-              <a:ext uri="{FF2B5EF4-FFF2-40B4-BE49-F238E27FC236}">
-                <a16:creationId xmlns:a16="http://schemas.microsoft.com/office/drawing/2014/main" id="{30E7FB19-27DE-40E0-B2D7-FBD2F37A659F}"/>
-              </a:ext>
-            </a:extLst>
-          </p:cNvPr>
-          <p:cNvGraphicFramePr>
-            <a:graphicFrameLocks noGrp="1"/>
-          </p:cNvGraphicFramePr>
-          <p:nvPr>
-            <p:extLst>
-              <p:ext uri="{D42A27DB-BD31-4B8C-83A1-F6EECF244321}">
-                <p14:modId xmlns:p14="http://schemas.microsoft.com/office/powerpoint/2010/main" val="2487058137"/>
-              </p:ext>
-            </p:extLst>
-          </p:nvPr>
-        </p:nvGraphicFramePr>
-        <p:xfrm>
-          <a:off x="8705939" y="4814246"/>
-          <a:ext cx="1232734" cy="685800"/>
-        </p:xfrm>
-        <a:graphic>
-          <a:graphicData uri="http://schemas.openxmlformats.org/drawingml/2006/table">
-            <a:tbl>
-              <a:tblPr firstRow="1" bandRow="1">
-                <a:tableStyleId>{8799B23B-EC83-4686-B30A-512413B5E67A}</a:tableStyleId>
-              </a:tblPr>
-              <a:tblGrid>
-                <a:gridCol w="267949">
-                  <a:extLst>
-                    <a:ext uri="{9D8B030D-6E8A-4147-A177-3AD203B41FA5}">
-                      <a16:colId xmlns:a16="http://schemas.microsoft.com/office/drawing/2014/main" val="631247754"/>
-                    </a:ext>
-                  </a:extLst>
-                </a:gridCol>
-                <a:gridCol w="964785">
-                  <a:extLst>
-                    <a:ext uri="{9D8B030D-6E8A-4147-A177-3AD203B41FA5}">
-                      <a16:colId xmlns:a16="http://schemas.microsoft.com/office/drawing/2014/main" val="4231436098"/>
-                    </a:ext>
-                  </a:extLst>
-                </a:gridCol>
-              </a:tblGrid>
-              <a:tr h="624840">
-                <a:tc>
-                  <a:txBody>
-                    <a:bodyPr/>
-                    <a:lstStyle/>
-                    <a:p>
-                      <a:pPr marL="0" marR="0" lvl="0" indent="0" algn="l" defTabSz="457200" rtl="0" eaLnBrk="1" fontAlgn="auto" latinLnBrk="0" hangingPunct="1">
-                        <a:lnSpc>
-                          <a:spcPct val="100000"/>
-                        </a:lnSpc>
-                        <a:spcBef>
-                          <a:spcPts val="0"/>
-                        </a:spcBef>
-                        <a:spcAft>
-                          <a:spcPts val="0"/>
-                        </a:spcAft>
-                        <a:buClrTx/>
-                        <a:buSzTx/>
-                        <a:buFontTx/>
-                        <a:buNone/>
-                        <a:tabLst/>
-                        <a:defRPr/>
-                      </a:pPr>
-                      <a:r>
-                        <a:rPr kumimoji="1" lang="ja-JP" altLang="en-US" sz="1100" b="1" i="0" u="none" strike="noStrike" kern="1200" cap="none" spc="0" normalizeH="0" baseline="0" dirty="0">
-                          <a:ln>
-                            <a:noFill/>
-                          </a:ln>
-                          <a:solidFill>
-                            <a:prstClr val="black"/>
-                          </a:solidFill>
-                          <a:effectLst/>
-                          <a:uLnTx/>
-                          <a:uFillTx/>
-                          <a:latin typeface="メイリオ" panose="020B0604030504040204" pitchFamily="50" charset="-128"/>
-                          <a:ea typeface="メイリオ" panose="020B0604030504040204" pitchFamily="50" charset="-128"/>
-                          <a:cs typeface="+mn-cs"/>
-                        </a:rPr>
-                        <a:t>お尻</a:t>
-                      </a:r>
-                    </a:p>
-                  </a:txBody>
-                  <a:tcPr anchor="ctr"/>
-                </a:tc>
-                <a:tc>
-                  <a:txBody>
-                    <a:bodyPr/>
-                    <a:lstStyle/>
-                    <a:p>
-                      <a:r>
-                        <a:rPr lang="zh-TW" altLang="en-US" sz="1000" b="0" dirty="0">
-                          <a:solidFill>
-                            <a:srgbClr val="FF0000"/>
-                          </a:solidFill>
-                          <a:latin typeface="メイリオ" panose="020B0604030504040204" pitchFamily="50" charset="-128"/>
-                          <a:ea typeface="メイリオ" panose="020B0604030504040204" pitchFamily="50" charset="-128"/>
-                        </a:rPr>
-                        <a:t>大</a:t>
-                      </a:r>
-                      <a:r>
-                        <a:rPr lang="ja-JP" altLang="en-US" sz="1000" b="0" dirty="0">
-                          <a:solidFill>
-                            <a:srgbClr val="FF0000"/>
-                          </a:solidFill>
-                          <a:latin typeface="メイリオ" panose="020B0604030504040204" pitchFamily="50" charset="-128"/>
-                          <a:ea typeface="メイリオ" panose="020B0604030504040204" pitchFamily="50" charset="-128"/>
-                        </a:rPr>
-                        <a:t>殿筋</a:t>
-                      </a:r>
-                      <a:endParaRPr lang="en-US" altLang="ja-JP" sz="1000" b="0" dirty="0">
-                        <a:solidFill>
-                          <a:srgbClr val="FF0000"/>
-                        </a:solidFill>
-                        <a:latin typeface="メイリオ" panose="020B0604030504040204" pitchFamily="50" charset="-128"/>
-                        <a:ea typeface="メイリオ" panose="020B0604030504040204" pitchFamily="50" charset="-128"/>
-                      </a:endParaRPr>
-                    </a:p>
-                    <a:p>
-                      <a:r>
-                        <a:rPr lang="zh-TW" altLang="en-US" sz="1000" b="0" dirty="0">
-                          <a:solidFill>
-                            <a:srgbClr val="FF0000"/>
-                          </a:solidFill>
-                          <a:latin typeface="メイリオ" panose="020B0604030504040204" pitchFamily="50" charset="-128"/>
-                          <a:ea typeface="メイリオ" panose="020B0604030504040204" pitchFamily="50" charset="-128"/>
-                        </a:rPr>
-                        <a:t>中</a:t>
-                      </a:r>
-                      <a:r>
-                        <a:rPr lang="ja-JP" altLang="en-US" sz="1000" b="0" dirty="0">
-                          <a:solidFill>
-                            <a:srgbClr val="FF0000"/>
-                          </a:solidFill>
-                          <a:latin typeface="メイリオ" panose="020B0604030504040204" pitchFamily="50" charset="-128"/>
-                          <a:ea typeface="メイリオ" panose="020B0604030504040204" pitchFamily="50" charset="-128"/>
-                        </a:rPr>
-                        <a:t>殿筋</a:t>
-                      </a:r>
-                      <a:endParaRPr lang="en-US" altLang="ja-JP" sz="1000" b="0" dirty="0">
-                        <a:solidFill>
-                          <a:srgbClr val="FF0000"/>
-                        </a:solidFill>
-                        <a:latin typeface="メイリオ" panose="020B0604030504040204" pitchFamily="50" charset="-128"/>
-                        <a:ea typeface="メイリオ" panose="020B0604030504040204" pitchFamily="50" charset="-128"/>
-                      </a:endParaRPr>
-                    </a:p>
-                    <a:p>
-                      <a:r>
-                        <a:rPr lang="zh-TW" altLang="en-US" sz="1000" b="0" dirty="0">
-                          <a:solidFill>
-                            <a:srgbClr val="FF0000"/>
-                          </a:solidFill>
-                          <a:latin typeface="メイリオ" panose="020B0604030504040204" pitchFamily="50" charset="-128"/>
-                          <a:ea typeface="メイリオ" panose="020B0604030504040204" pitchFamily="50" charset="-128"/>
-                        </a:rPr>
-                        <a:t>小殿筋</a:t>
-                      </a:r>
-                      <a:endParaRPr lang="en-US" altLang="zh-TW" sz="1000" b="0" dirty="0">
-                        <a:solidFill>
-                          <a:srgbClr val="FF0000"/>
-                        </a:solidFill>
-                        <a:latin typeface="メイリオ" panose="020B0604030504040204" pitchFamily="50" charset="-128"/>
-                        <a:ea typeface="メイリオ" panose="020B0604030504040204" pitchFamily="50" charset="-128"/>
-                      </a:endParaRPr>
-                    </a:p>
-                    <a:p>
-                      <a:r>
-                        <a:rPr lang="zh-TW" altLang="en-US" sz="900" b="0" dirty="0">
-                          <a:solidFill>
-                            <a:srgbClr val="FF0000"/>
-                          </a:solidFill>
-                          <a:latin typeface="メイリオ" panose="020B0604030504040204" pitchFamily="50" charset="-128"/>
-                          <a:ea typeface="メイリオ" panose="020B0604030504040204" pitchFamily="50" charset="-128"/>
-                        </a:rPr>
-                        <a:t>大腿筋膜張筋</a:t>
-                      </a:r>
-                    </a:p>
-                  </a:txBody>
-                  <a:tcPr anchor="ctr"/>
-                </a:tc>
-                <a:extLst>
-                  <a:ext uri="{0D108BD9-81ED-4DB2-BD59-A6C34878D82A}">
-                    <a16:rowId xmlns:a16="http://schemas.microsoft.com/office/drawing/2014/main" val="2017471924"/>
-                  </a:ext>
-                </a:extLst>
-              </a:tr>
-            </a:tbl>
-          </a:graphicData>
-        </a:graphic>
-      </p:graphicFrame>
       <p:sp>
         <p:nvSpPr>
           <p:cNvPr id="123" name="テキスト ボックス 122">
@@ -19150,7 +19010,7 @@
           <p:nvPr>
             <p:extLst>
               <p:ext uri="{D42A27DB-BD31-4B8C-83A1-F6EECF244321}">
-                <p14:modId xmlns:p14="http://schemas.microsoft.com/office/powerpoint/2010/main" val="1897823484"/>
+                <p14:modId xmlns:p14="http://schemas.microsoft.com/office/powerpoint/2010/main" val="863255647"/>
               </p:ext>
             </p:extLst>
           </p:nvPr>
@@ -19444,11 +19304,17 @@
           <p:cNvGraphicFramePr>
             <a:graphicFrameLocks noGrp="1"/>
           </p:cNvGraphicFramePr>
-          <p:nvPr/>
+          <p:nvPr>
+            <p:extLst>
+              <p:ext uri="{D42A27DB-BD31-4B8C-83A1-F6EECF244321}">
+                <p14:modId xmlns:p14="http://schemas.microsoft.com/office/powerpoint/2010/main" val="1840259166"/>
+              </p:ext>
+            </p:extLst>
+          </p:nvPr>
         </p:nvGraphicFramePr>
         <p:xfrm>
           <a:off x="4433877" y="7590509"/>
-          <a:ext cx="1110797" cy="701040"/>
+          <a:ext cx="1110797" cy="762000"/>
         </p:xfrm>
         <a:graphic>
           <a:graphicData uri="http://schemas.openxmlformats.org/drawingml/2006/table">
@@ -19478,37 +19344,87 @@
                     <a:bodyPr/>
                     <a:lstStyle/>
                     <a:p>
+                      <a:pPr marL="0" marR="0" lvl="0" indent="0" algn="l" defTabSz="457200" rtl="0" eaLnBrk="1" fontAlgn="auto" latinLnBrk="0" hangingPunct="1">
+                        <a:lnSpc>
+                          <a:spcPct val="100000"/>
+                        </a:lnSpc>
+                        <a:spcBef>
+                          <a:spcPts val="0"/>
+                        </a:spcBef>
+                        <a:spcAft>
+                          <a:spcPts val="0"/>
+                        </a:spcAft>
+                        <a:buClrTx/>
+                        <a:buSzTx/>
+                        <a:buFontTx/>
+                        <a:buNone/>
+                        <a:tabLst/>
+                        <a:defRPr/>
+                      </a:pPr>
                       <a:r>
-                        <a:rPr lang="ja-JP" altLang="en-US" sz="900" dirty="0">
+                        <a:rPr kumimoji="1" lang="ja-JP" altLang="en-US" sz="1100" b="1" i="0" u="none" strike="noStrike" kern="1200" cap="none" spc="0" normalizeH="0" baseline="0" dirty="0">
+                          <a:ln>
+                            <a:noFill/>
+                          </a:ln>
+                          <a:solidFill>
+                            <a:prstClr val="black"/>
+                          </a:solidFill>
+                          <a:effectLst/>
+                          <a:uLnTx/>
+                          <a:uFillTx/>
                           <a:latin typeface="メイリオ" panose="020B0604030504040204" pitchFamily="50" charset="-128"/>
                           <a:ea typeface="メイリオ" panose="020B0604030504040204" pitchFamily="50" charset="-128"/>
+                          <a:cs typeface="+mn-cs"/>
                         </a:rPr>
-                        <a:t>お</a:t>
+                        <a:t>お尻の</a:t>
                       </a:r>
-                      <a:r>
-                        <a:rPr lang="ja-JP" altLang="en-US" sz="1100" dirty="0">
-                          <a:latin typeface="メイリオ" panose="020B0604030504040204" pitchFamily="50" charset="-128"/>
-                          <a:ea typeface="メイリオ" panose="020B0604030504040204" pitchFamily="50" charset="-128"/>
-                        </a:rPr>
-                        <a:t>尻</a:t>
-                      </a:r>
-                      <a:r>
-                        <a:rPr lang="ja-JP" altLang="en-US" sz="900" dirty="0">
-                          <a:latin typeface="メイリオ" panose="020B0604030504040204" pitchFamily="50" charset="-128"/>
-                          <a:ea typeface="メイリオ" panose="020B0604030504040204" pitchFamily="50" charset="-128"/>
-                        </a:rPr>
-                        <a:t>の</a:t>
-                      </a:r>
-                      <a:endParaRPr lang="en-US" altLang="ja-JP" sz="900" dirty="0">
+                      <a:endParaRPr kumimoji="1" lang="en-US" altLang="ja-JP" sz="1100" b="1" i="0" u="none" strike="noStrike" kern="1200" cap="none" spc="0" normalizeH="0" baseline="0" dirty="0">
+                        <a:ln>
+                          <a:noFill/>
+                        </a:ln>
+                        <a:solidFill>
+                          <a:prstClr val="black"/>
+                        </a:solidFill>
+                        <a:effectLst/>
+                        <a:uLnTx/>
+                        <a:uFillTx/>
                         <a:latin typeface="メイリオ" panose="020B0604030504040204" pitchFamily="50" charset="-128"/>
                         <a:ea typeface="メイリオ" panose="020B0604030504040204" pitchFamily="50" charset="-128"/>
+                        <a:cs typeface="+mn-cs"/>
                       </a:endParaRPr>
                     </a:p>
                     <a:p>
+                      <a:pPr marL="0" marR="0" lvl="0" indent="0" algn="l" defTabSz="457200" rtl="0" eaLnBrk="1" fontAlgn="auto" latinLnBrk="0" hangingPunct="1">
+                        <a:lnSpc>
+                          <a:spcPct val="100000"/>
+                        </a:lnSpc>
+                        <a:spcBef>
+                          <a:spcPts val="0"/>
+                        </a:spcBef>
+                        <a:spcAft>
+                          <a:spcPts val="0"/>
+                        </a:spcAft>
+                        <a:buClrTx/>
+                        <a:buSzTx/>
+                        <a:buFontTx/>
+                        <a:buNone/>
+                        <a:tabLst/>
+                        <a:defRPr/>
+                      </a:pPr>
                       <a:r>
-                        <a:rPr lang="ja-JP" altLang="en-US" sz="1100" dirty="0">
+                        <a:rPr kumimoji="1" lang="ja-JP" altLang="en-US" sz="1100" b="1" i="0" u="none" strike="noStrike" kern="1200" cap="none" spc="0" normalizeH="0" baseline="0" dirty="0">
+                          <a:ln>
+                            <a:noFill/>
+                          </a:ln>
+                          <a:solidFill>
+                            <a:prstClr val="black"/>
+                          </a:solidFill>
+                          <a:effectLst/>
+                          <a:uLnTx/>
+                          <a:uFillTx/>
                           <a:latin typeface="メイリオ" panose="020B0604030504040204" pitchFamily="50" charset="-128"/>
                           <a:ea typeface="メイリオ" panose="020B0604030504040204" pitchFamily="50" charset="-128"/>
+                          <a:cs typeface="+mn-cs"/>
                         </a:rPr>
                         <a:t>奥</a:t>
                       </a:r>
@@ -21334,6 +21250,202 @@
           </a:p>
         </p:txBody>
       </p:sp>
+      <p:graphicFrame>
+        <p:nvGraphicFramePr>
+          <p:cNvPr id="17" name="表 121">
+            <a:extLst>
+              <a:ext uri="{FF2B5EF4-FFF2-40B4-BE49-F238E27FC236}">
+                <a16:creationId xmlns:a16="http://schemas.microsoft.com/office/drawing/2014/main" id="{34D3775E-A776-706C-F955-F6B95F43720C}"/>
+              </a:ext>
+            </a:extLst>
+          </p:cNvPr>
+          <p:cNvGraphicFramePr>
+            <a:graphicFrameLocks noGrp="1"/>
+          </p:cNvGraphicFramePr>
+          <p:nvPr>
+            <p:extLst>
+              <p:ext uri="{D42A27DB-BD31-4B8C-83A1-F6EECF244321}">
+                <p14:modId xmlns:p14="http://schemas.microsoft.com/office/powerpoint/2010/main" val="2590370861"/>
+              </p:ext>
+            </p:extLst>
+          </p:nvPr>
+        </p:nvGraphicFramePr>
+        <p:xfrm>
+          <a:off x="8705939" y="4814246"/>
+          <a:ext cx="1232734" cy="744116"/>
+        </p:xfrm>
+        <a:graphic>
+          <a:graphicData uri="http://schemas.openxmlformats.org/drawingml/2006/table">
+            <a:tbl>
+              <a:tblPr firstRow="1" bandRow="1">
+                <a:tableStyleId>{8799B23B-EC83-4686-B30A-512413B5E67A}</a:tableStyleId>
+              </a:tblPr>
+              <a:tblGrid>
+                <a:gridCol w="267949">
+                  <a:extLst>
+                    <a:ext uri="{9D8B030D-6E8A-4147-A177-3AD203B41FA5}">
+                      <a16:colId xmlns:a16="http://schemas.microsoft.com/office/drawing/2014/main" val="631247754"/>
+                    </a:ext>
+                  </a:extLst>
+                </a:gridCol>
+                <a:gridCol w="964785">
+                  <a:extLst>
+                    <a:ext uri="{9D8B030D-6E8A-4147-A177-3AD203B41FA5}">
+                      <a16:colId xmlns:a16="http://schemas.microsoft.com/office/drawing/2014/main" val="4231436098"/>
+                    </a:ext>
+                  </a:extLst>
+                </a:gridCol>
+              </a:tblGrid>
+              <a:tr h="744116">
+                <a:tc>
+                  <a:txBody>
+                    <a:bodyPr/>
+                    <a:lstStyle/>
+                    <a:p>
+                      <a:pPr marL="0" marR="0" lvl="0" indent="0" algn="l" defTabSz="457200" rtl="0" eaLnBrk="1" fontAlgn="auto" latinLnBrk="0" hangingPunct="1">
+                        <a:lnSpc>
+                          <a:spcPct val="100000"/>
+                        </a:lnSpc>
+                        <a:spcBef>
+                          <a:spcPts val="0"/>
+                        </a:spcBef>
+                        <a:spcAft>
+                          <a:spcPts val="0"/>
+                        </a:spcAft>
+                        <a:buClrTx/>
+                        <a:buSzTx/>
+                        <a:buFontTx/>
+                        <a:buNone/>
+                        <a:tabLst/>
+                        <a:defRPr/>
+                      </a:pPr>
+                      <a:r>
+                        <a:rPr kumimoji="1" lang="ja-JP" altLang="en-US" sz="1100" b="1" i="0" u="none" strike="noStrike" kern="1200" cap="none" spc="0" normalizeH="0" baseline="0" dirty="0">
+                          <a:ln>
+                            <a:noFill/>
+                          </a:ln>
+                          <a:solidFill>
+                            <a:prstClr val="black"/>
+                          </a:solidFill>
+                          <a:effectLst/>
+                          <a:uLnTx/>
+                          <a:uFillTx/>
+                          <a:latin typeface="メイリオ" panose="020B0604030504040204" pitchFamily="50" charset="-128"/>
+                          <a:ea typeface="メイリオ" panose="020B0604030504040204" pitchFamily="50" charset="-128"/>
+                          <a:cs typeface="+mn-cs"/>
+                        </a:rPr>
+                        <a:t>お尻</a:t>
+                      </a:r>
+                    </a:p>
+                  </a:txBody>
+                  <a:tcPr anchor="ctr"/>
+                </a:tc>
+                <a:tc>
+                  <a:txBody>
+                    <a:bodyPr/>
+                    <a:lstStyle/>
+                    <a:p>
+                      <a:r>
+                        <a:rPr lang="zh-TW" altLang="en-US" sz="1000" b="0" dirty="0">
+                          <a:solidFill>
+                            <a:srgbClr val="FF0000"/>
+                          </a:solidFill>
+                          <a:latin typeface="メイリオ" panose="020B0604030504040204" pitchFamily="50" charset="-128"/>
+                          <a:ea typeface="メイリオ" panose="020B0604030504040204" pitchFamily="50" charset="-128"/>
+                        </a:rPr>
+                        <a:t>大</a:t>
+                      </a:r>
+                      <a:r>
+                        <a:rPr lang="ja-JP" altLang="en-US" sz="1000" b="0" dirty="0">
+                          <a:solidFill>
+                            <a:srgbClr val="FF0000"/>
+                          </a:solidFill>
+                          <a:latin typeface="メイリオ" panose="020B0604030504040204" pitchFamily="50" charset="-128"/>
+                          <a:ea typeface="メイリオ" panose="020B0604030504040204" pitchFamily="50" charset="-128"/>
+                        </a:rPr>
+                        <a:t>殿筋</a:t>
+                      </a:r>
+                      <a:endParaRPr lang="en-US" altLang="ja-JP" sz="1000" b="0" dirty="0">
+                        <a:solidFill>
+                          <a:srgbClr val="FF0000"/>
+                        </a:solidFill>
+                        <a:latin typeface="メイリオ" panose="020B0604030504040204" pitchFamily="50" charset="-128"/>
+                        <a:ea typeface="メイリオ" panose="020B0604030504040204" pitchFamily="50" charset="-128"/>
+                      </a:endParaRPr>
+                    </a:p>
+                    <a:p>
+                      <a:r>
+                        <a:rPr lang="zh-TW" altLang="en-US" sz="1000" b="0" dirty="0">
+                          <a:solidFill>
+                            <a:srgbClr val="FF0000"/>
+                          </a:solidFill>
+                          <a:latin typeface="メイリオ" panose="020B0604030504040204" pitchFamily="50" charset="-128"/>
+                          <a:ea typeface="メイリオ" panose="020B0604030504040204" pitchFamily="50" charset="-128"/>
+                        </a:rPr>
+                        <a:t>中</a:t>
+                      </a:r>
+                      <a:r>
+                        <a:rPr lang="ja-JP" altLang="en-US" sz="1000" b="0" dirty="0">
+                          <a:solidFill>
+                            <a:srgbClr val="FF0000"/>
+                          </a:solidFill>
+                          <a:latin typeface="メイリオ" panose="020B0604030504040204" pitchFamily="50" charset="-128"/>
+                          <a:ea typeface="メイリオ" panose="020B0604030504040204" pitchFamily="50" charset="-128"/>
+                        </a:rPr>
+                        <a:t>殿筋</a:t>
+                      </a:r>
+                      <a:endParaRPr lang="en-US" altLang="ja-JP" sz="1000" b="0" dirty="0">
+                        <a:solidFill>
+                          <a:srgbClr val="FF0000"/>
+                        </a:solidFill>
+                        <a:latin typeface="メイリオ" panose="020B0604030504040204" pitchFamily="50" charset="-128"/>
+                        <a:ea typeface="メイリオ" panose="020B0604030504040204" pitchFamily="50" charset="-128"/>
+                      </a:endParaRPr>
+                    </a:p>
+                    <a:p>
+                      <a:r>
+                        <a:rPr lang="zh-TW" altLang="en-US" sz="1000" b="0" dirty="0">
+                          <a:solidFill>
+                            <a:srgbClr val="FF0000"/>
+                          </a:solidFill>
+                          <a:latin typeface="メイリオ" panose="020B0604030504040204" pitchFamily="50" charset="-128"/>
+                          <a:ea typeface="メイリオ" panose="020B0604030504040204" pitchFamily="50" charset="-128"/>
+                        </a:rPr>
+                        <a:t>小殿筋</a:t>
+                      </a:r>
+                      <a:endParaRPr lang="en-US" altLang="zh-TW" sz="1000" b="0" dirty="0">
+                        <a:solidFill>
+                          <a:srgbClr val="FF0000"/>
+                        </a:solidFill>
+                        <a:latin typeface="メイリオ" panose="020B0604030504040204" pitchFamily="50" charset="-128"/>
+                        <a:ea typeface="メイリオ" panose="020B0604030504040204" pitchFamily="50" charset="-128"/>
+                      </a:endParaRPr>
+                    </a:p>
+                    <a:p>
+                      <a:r>
+                        <a:rPr lang="zh-TW" altLang="en-US" sz="900" b="0" dirty="0">
+                          <a:solidFill>
+                            <a:srgbClr val="FF0000"/>
+                          </a:solidFill>
+                          <a:latin typeface="メイリオ" panose="020B0604030504040204" pitchFamily="50" charset="-128"/>
+                          <a:ea typeface="メイリオ" panose="020B0604030504040204" pitchFamily="50" charset="-128"/>
+                        </a:rPr>
+                        <a:t>大腿筋膜張筋</a:t>
+                      </a:r>
+                    </a:p>
+                  </a:txBody>
+                  <a:tcPr anchor="ctr"/>
+                </a:tc>
+                <a:extLst>
+                  <a:ext uri="{0D108BD9-81ED-4DB2-BD59-A6C34878D82A}">
+                    <a16:rowId xmlns:a16="http://schemas.microsoft.com/office/drawing/2014/main" val="2017471924"/>
+                  </a:ext>
+                </a:extLst>
+              </a:tr>
+            </a:tbl>
+          </a:graphicData>
+        </a:graphic>
+      </p:graphicFrame>
     </p:spTree>
     <p:extLst>
       <p:ext uri="{BB962C8B-B14F-4D97-AF65-F5344CB8AC3E}">
